--- a/icer2015/images/graphics.pptx
+++ b/icer2015/images/graphics.pptx
@@ -9,7 +9,10 @@
     <p:sldId id="258" r:id="rId3"/>
     <p:sldId id="260" r:id="rId4"/>
     <p:sldId id="259" r:id="rId5"/>
-    <p:sldId id="257" r:id="rId6"/>
+    <p:sldId id="261" r:id="rId6"/>
+    <p:sldId id="262" r:id="rId7"/>
+    <p:sldId id="263" r:id="rId8"/>
+    <p:sldId id="257" r:id="rId9"/>
   </p:sldIdLst>
   <p:sldSz cx="12192000" cy="6858000"/>
   <p:notesSz cx="6858000" cy="9144000"/>
@@ -247,7 +250,7 @@
           <a:p>
             <a:fld id="{127C64E5-CFA5-42E1-B485-9900FD4C4BA2}" type="datetimeFigureOut">
               <a:rPr lang="en-US" smtClean="0"/>
-              <a:t>4/5/2015</a:t>
+              <a:t>8/28/2015</a:t>
             </a:fld>
             <a:endParaRPr lang="en-US"/>
           </a:p>
@@ -417,7 +420,7 @@
           <a:p>
             <a:fld id="{127C64E5-CFA5-42E1-B485-9900FD4C4BA2}" type="datetimeFigureOut">
               <a:rPr lang="en-US" smtClean="0"/>
-              <a:t>4/5/2015</a:t>
+              <a:t>8/28/2015</a:t>
             </a:fld>
             <a:endParaRPr lang="en-US"/>
           </a:p>
@@ -597,7 +600,7 @@
           <a:p>
             <a:fld id="{127C64E5-CFA5-42E1-B485-9900FD4C4BA2}" type="datetimeFigureOut">
               <a:rPr lang="en-US" smtClean="0"/>
-              <a:t>4/5/2015</a:t>
+              <a:t>8/28/2015</a:t>
             </a:fld>
             <a:endParaRPr lang="en-US"/>
           </a:p>
@@ -767,7 +770,7 @@
           <a:p>
             <a:fld id="{127C64E5-CFA5-42E1-B485-9900FD4C4BA2}" type="datetimeFigureOut">
               <a:rPr lang="en-US" smtClean="0"/>
-              <a:t>4/5/2015</a:t>
+              <a:t>8/28/2015</a:t>
             </a:fld>
             <a:endParaRPr lang="en-US"/>
           </a:p>
@@ -1013,7 +1016,7 @@
           <a:p>
             <a:fld id="{127C64E5-CFA5-42E1-B485-9900FD4C4BA2}" type="datetimeFigureOut">
               <a:rPr lang="en-US" smtClean="0"/>
-              <a:t>4/5/2015</a:t>
+              <a:t>8/28/2015</a:t>
             </a:fld>
             <a:endParaRPr lang="en-US"/>
           </a:p>
@@ -1245,7 +1248,7 @@
           <a:p>
             <a:fld id="{127C64E5-CFA5-42E1-B485-9900FD4C4BA2}" type="datetimeFigureOut">
               <a:rPr lang="en-US" smtClean="0"/>
-              <a:t>4/5/2015</a:t>
+              <a:t>8/28/2015</a:t>
             </a:fld>
             <a:endParaRPr lang="en-US"/>
           </a:p>
@@ -1612,7 +1615,7 @@
           <a:p>
             <a:fld id="{127C64E5-CFA5-42E1-B485-9900FD4C4BA2}" type="datetimeFigureOut">
               <a:rPr lang="en-US" smtClean="0"/>
-              <a:t>4/5/2015</a:t>
+              <a:t>8/28/2015</a:t>
             </a:fld>
             <a:endParaRPr lang="en-US"/>
           </a:p>
@@ -1730,7 +1733,7 @@
           <a:p>
             <a:fld id="{127C64E5-CFA5-42E1-B485-9900FD4C4BA2}" type="datetimeFigureOut">
               <a:rPr lang="en-US" smtClean="0"/>
-              <a:t>4/5/2015</a:t>
+              <a:t>8/28/2015</a:t>
             </a:fld>
             <a:endParaRPr lang="en-US"/>
           </a:p>
@@ -1825,7 +1828,7 @@
           <a:p>
             <a:fld id="{127C64E5-CFA5-42E1-B485-9900FD4C4BA2}" type="datetimeFigureOut">
               <a:rPr lang="en-US" smtClean="0"/>
-              <a:t>4/5/2015</a:t>
+              <a:t>8/28/2015</a:t>
             </a:fld>
             <a:endParaRPr lang="en-US"/>
           </a:p>
@@ -2102,7 +2105,7 @@
           <a:p>
             <a:fld id="{127C64E5-CFA5-42E1-B485-9900FD4C4BA2}" type="datetimeFigureOut">
               <a:rPr lang="en-US" smtClean="0"/>
-              <a:t>4/5/2015</a:t>
+              <a:t>8/28/2015</a:t>
             </a:fld>
             <a:endParaRPr lang="en-US"/>
           </a:p>
@@ -2355,7 +2358,7 @@
           <a:p>
             <a:fld id="{127C64E5-CFA5-42E1-B485-9900FD4C4BA2}" type="datetimeFigureOut">
               <a:rPr lang="en-US" smtClean="0"/>
-              <a:t>4/5/2015</a:t>
+              <a:t>8/28/2015</a:t>
             </a:fld>
             <a:endParaRPr lang="en-US"/>
           </a:p>
@@ -2568,7 +2571,7 @@
           <a:p>
             <a:fld id="{127C64E5-CFA5-42E1-B485-9900FD4C4BA2}" type="datetimeFigureOut">
               <a:rPr lang="en-US" smtClean="0"/>
-              <a:t>4/5/2015</a:t>
+              <a:t>8/28/2015</a:t>
             </a:fld>
             <a:endParaRPr lang="en-US"/>
           </a:p>
@@ -5540,6 +5543,1284 @@
           <a:chExt cx="0" cy="0"/>
         </a:xfrm>
       </p:grpSpPr>
+      <p:pic>
+        <p:nvPicPr>
+          <p:cNvPr id="4" name="Picture 3"/>
+          <p:cNvPicPr>
+            <a:picLocks noChangeAspect="1"/>
+          </p:cNvPicPr>
+          <p:nvPr/>
+        </p:nvPicPr>
+        <p:blipFill>
+          <a:blip r:embed="rId2"/>
+          <a:stretch>
+            <a:fillRect/>
+          </a:stretch>
+        </p:blipFill>
+        <p:spPr>
+          <a:xfrm>
+            <a:off x="0" y="363071"/>
+            <a:ext cx="12192000" cy="6020973"/>
+          </a:xfrm>
+          <a:prstGeom prst="rect">
+            <a:avLst/>
+          </a:prstGeom>
+        </p:spPr>
+      </p:pic>
+    </p:spTree>
+    <p:extLst>
+      <p:ext uri="{BB962C8B-B14F-4D97-AF65-F5344CB8AC3E}">
+        <p14:creationId xmlns:p14="http://schemas.microsoft.com/office/powerpoint/2010/main" val="3930887612"/>
+      </p:ext>
+    </p:extLst>
+  </p:cSld>
+  <p:clrMapOvr>
+    <a:masterClrMapping/>
+  </p:clrMapOvr>
+  <p:timing>
+    <p:tnLst>
+      <p:par>
+        <p:cTn id="1" dur="indefinite" restart="never" nodeType="tmRoot"/>
+      </p:par>
+    </p:tnLst>
+  </p:timing>
+</p:sld>
+</file>
+
+<file path=ppt/slides/slide6.xml><?xml version="1.0" encoding="utf-8"?>
+<p:sld xmlns:a="http://schemas.openxmlformats.org/drawingml/2006/main" xmlns:r="http://schemas.openxmlformats.org/officeDocument/2006/relationships" xmlns:p="http://schemas.openxmlformats.org/presentationml/2006/main">
+  <p:cSld>
+    <p:spTree>
+      <p:nvGrpSpPr>
+        <p:cNvPr id="1" name=""/>
+        <p:cNvGrpSpPr/>
+        <p:nvPr/>
+      </p:nvGrpSpPr>
+      <p:grpSpPr>
+        <a:xfrm>
+          <a:off x="0" y="0"/>
+          <a:ext cx="0" cy="0"/>
+          <a:chOff x="0" y="0"/>
+          <a:chExt cx="0" cy="0"/>
+        </a:xfrm>
+      </p:grpSpPr>
+      <p:grpSp>
+        <p:nvGrpSpPr>
+          <p:cNvPr id="4" name="Group 3"/>
+          <p:cNvGrpSpPr/>
+          <p:nvPr/>
+        </p:nvGrpSpPr>
+        <p:grpSpPr>
+          <a:xfrm>
+            <a:off x="6953068" y="295836"/>
+            <a:ext cx="2578400" cy="1896036"/>
+            <a:chOff x="5503240" y="272716"/>
+            <a:chExt cx="3239708" cy="3537128"/>
+          </a:xfrm>
+        </p:grpSpPr>
+        <p:sp>
+          <p:nvSpPr>
+            <p:cNvPr id="5" name="Rectangle 4"/>
+            <p:cNvSpPr/>
+            <p:nvPr/>
+          </p:nvSpPr>
+          <p:spPr>
+            <a:xfrm>
+              <a:off x="5503240" y="272716"/>
+              <a:ext cx="3239708" cy="3537128"/>
+            </a:xfrm>
+            <a:prstGeom prst="rect">
+              <a:avLst/>
+            </a:prstGeom>
+          </p:spPr>
+          <p:style>
+            <a:lnRef idx="0">
+              <a:schemeClr val="accent6"/>
+            </a:lnRef>
+            <a:fillRef idx="3">
+              <a:schemeClr val="accent6"/>
+            </a:fillRef>
+            <a:effectRef idx="3">
+              <a:schemeClr val="accent6"/>
+            </a:effectRef>
+            <a:fontRef idx="minor">
+              <a:schemeClr val="lt1"/>
+            </a:fontRef>
+          </p:style>
+          <p:txBody>
+            <a:bodyPr rtlCol="0" anchor="t"/>
+            <a:lstStyle/>
+            <a:p>
+              <a:r>
+                <a:rPr lang="en-US" sz="2000" dirty="0" err="1" smtClean="0">
+                  <a:solidFill>
+                    <a:schemeClr val="tx1"/>
+                  </a:solidFill>
+                  <a:latin typeface="Times New Roman" panose="02020603050405020304" pitchFamily="18" charset="0"/>
+                  <a:cs typeface="Times New Roman" panose="02020603050405020304" pitchFamily="18" charset="0"/>
+                </a:rPr>
+                <a:t>Skulpt</a:t>
+              </a:r>
+              <a:endParaRPr lang="en-US" sz="2000" dirty="0">
+                <a:solidFill>
+                  <a:schemeClr val="tx1"/>
+                </a:solidFill>
+                <a:latin typeface="Times New Roman" panose="02020603050405020304" pitchFamily="18" charset="0"/>
+                <a:cs typeface="Times New Roman" panose="02020603050405020304" pitchFamily="18" charset="0"/>
+              </a:endParaRPr>
+            </a:p>
+          </p:txBody>
+        </p:sp>
+        <p:sp>
+          <p:nvSpPr>
+            <p:cNvPr id="6" name="Rounded Rectangle 5"/>
+            <p:cNvSpPr/>
+            <p:nvPr/>
+          </p:nvSpPr>
+          <p:spPr>
+            <a:xfrm>
+              <a:off x="5854503" y="1044083"/>
+              <a:ext cx="2537183" cy="547292"/>
+            </a:xfrm>
+            <a:prstGeom prst="roundRect">
+              <a:avLst/>
+            </a:prstGeom>
+          </p:spPr>
+          <p:style>
+            <a:lnRef idx="1">
+              <a:schemeClr val="accent6"/>
+            </a:lnRef>
+            <a:fillRef idx="2">
+              <a:schemeClr val="accent6"/>
+            </a:fillRef>
+            <a:effectRef idx="1">
+              <a:schemeClr val="accent6"/>
+            </a:effectRef>
+            <a:fontRef idx="minor">
+              <a:schemeClr val="dk1"/>
+            </a:fontRef>
+          </p:style>
+          <p:txBody>
+            <a:bodyPr rtlCol="0" anchor="ctr"/>
+            <a:lstStyle/>
+            <a:p>
+              <a:pPr algn="ctr"/>
+              <a:r>
+                <a:rPr lang="en-US" sz="2000" dirty="0" smtClean="0">
+                  <a:latin typeface="Times New Roman" panose="02020603050405020304" pitchFamily="18" charset="0"/>
+                  <a:cs typeface="Times New Roman" panose="02020603050405020304" pitchFamily="18" charset="0"/>
+                </a:rPr>
+                <a:t>System libraries</a:t>
+              </a:r>
+            </a:p>
+          </p:txBody>
+        </p:sp>
+        <p:sp>
+          <p:nvSpPr>
+            <p:cNvPr id="7" name="Rounded Rectangle 6"/>
+            <p:cNvSpPr/>
+            <p:nvPr/>
+          </p:nvSpPr>
+          <p:spPr>
+            <a:xfrm>
+              <a:off x="5806072" y="1701883"/>
+              <a:ext cx="2634044" cy="1968777"/>
+            </a:xfrm>
+            <a:prstGeom prst="roundRect">
+              <a:avLst/>
+            </a:prstGeom>
+          </p:spPr>
+          <p:style>
+            <a:lnRef idx="1">
+              <a:schemeClr val="accent6"/>
+            </a:lnRef>
+            <a:fillRef idx="2">
+              <a:schemeClr val="accent6"/>
+            </a:fillRef>
+            <a:effectRef idx="1">
+              <a:schemeClr val="accent6"/>
+            </a:effectRef>
+            <a:fontRef idx="minor">
+              <a:schemeClr val="dk1"/>
+            </a:fontRef>
+          </p:style>
+          <p:txBody>
+            <a:bodyPr rtlCol="0" anchor="t"/>
+            <a:lstStyle/>
+            <a:p>
+              <a:r>
+                <a:rPr lang="en-US" sz="2000" dirty="0" smtClean="0">
+                  <a:latin typeface="Times New Roman" panose="02020603050405020304" pitchFamily="18" charset="0"/>
+                  <a:cs typeface="Times New Roman" panose="02020603050405020304" pitchFamily="18" charset="0"/>
+                </a:rPr>
+                <a:t>APIs</a:t>
+              </a:r>
+            </a:p>
+          </p:txBody>
+        </p:sp>
+        <p:sp>
+          <p:nvSpPr>
+            <p:cNvPr id="8" name="Rounded Rectangle 7"/>
+            <p:cNvSpPr/>
+            <p:nvPr/>
+          </p:nvSpPr>
+          <p:spPr>
+            <a:xfrm>
+              <a:off x="6162933" y="2415699"/>
+              <a:ext cx="1920324" cy="547291"/>
+            </a:xfrm>
+            <a:prstGeom prst="roundRect">
+              <a:avLst/>
+            </a:prstGeom>
+          </p:spPr>
+          <p:style>
+            <a:lnRef idx="1">
+              <a:schemeClr val="accent6"/>
+            </a:lnRef>
+            <a:fillRef idx="2">
+              <a:schemeClr val="accent6"/>
+            </a:fillRef>
+            <a:effectRef idx="1">
+              <a:schemeClr val="accent6"/>
+            </a:effectRef>
+            <a:fontRef idx="minor">
+              <a:schemeClr val="dk1"/>
+            </a:fontRef>
+          </p:style>
+          <p:txBody>
+            <a:bodyPr rtlCol="0" anchor="ctr"/>
+            <a:lstStyle/>
+            <a:p>
+              <a:pPr algn="ctr"/>
+              <a:r>
+                <a:rPr lang="en-US" sz="2000" dirty="0" err="1" smtClean="0">
+                  <a:latin typeface="Times New Roman" panose="02020603050405020304" pitchFamily="18" charset="0"/>
+                  <a:cs typeface="Times New Roman" panose="02020603050405020304" pitchFamily="18" charset="0"/>
+                </a:rPr>
+                <a:t>MatPlotLib</a:t>
+              </a:r>
+              <a:endParaRPr lang="en-US" sz="2000" dirty="0">
+                <a:latin typeface="Times New Roman" panose="02020603050405020304" pitchFamily="18" charset="0"/>
+                <a:cs typeface="Times New Roman" panose="02020603050405020304" pitchFamily="18" charset="0"/>
+              </a:endParaRPr>
+            </a:p>
+          </p:txBody>
+        </p:sp>
+        <p:sp>
+          <p:nvSpPr>
+            <p:cNvPr id="9" name="Rounded Rectangle 8"/>
+            <p:cNvSpPr/>
+            <p:nvPr/>
+          </p:nvSpPr>
+          <p:spPr>
+            <a:xfrm>
+              <a:off x="6162933" y="3032582"/>
+              <a:ext cx="1920324" cy="547291"/>
+            </a:xfrm>
+            <a:prstGeom prst="roundRect">
+              <a:avLst/>
+            </a:prstGeom>
+          </p:spPr>
+          <p:style>
+            <a:lnRef idx="1">
+              <a:schemeClr val="accent6"/>
+            </a:lnRef>
+            <a:fillRef idx="2">
+              <a:schemeClr val="accent6"/>
+            </a:fillRef>
+            <a:effectRef idx="1">
+              <a:schemeClr val="accent6"/>
+            </a:effectRef>
+            <a:fontRef idx="minor">
+              <a:schemeClr val="dk1"/>
+            </a:fontRef>
+          </p:style>
+          <p:txBody>
+            <a:bodyPr rtlCol="0" anchor="ctr"/>
+            <a:lstStyle/>
+            <a:p>
+              <a:pPr algn="ctr"/>
+              <a:r>
+                <a:rPr lang="en-US" sz="2000" dirty="0" smtClean="0">
+                  <a:latin typeface="Times New Roman" panose="02020603050405020304" pitchFamily="18" charset="0"/>
+                  <a:cs typeface="Times New Roman" panose="02020603050405020304" pitchFamily="18" charset="0"/>
+                </a:rPr>
+                <a:t>CORGIS</a:t>
+              </a:r>
+              <a:endParaRPr lang="en-US" sz="2000" dirty="0">
+                <a:latin typeface="Times New Roman" panose="02020603050405020304" pitchFamily="18" charset="0"/>
+                <a:cs typeface="Times New Roman" panose="02020603050405020304" pitchFamily="18" charset="0"/>
+              </a:endParaRPr>
+            </a:p>
+          </p:txBody>
+        </p:sp>
+      </p:grpSp>
+      <p:sp>
+        <p:nvSpPr>
+          <p:cNvPr id="10" name="TextBox 9"/>
+          <p:cNvSpPr txBox="1"/>
+          <p:nvPr/>
+        </p:nvSpPr>
+        <p:spPr>
+          <a:xfrm>
+            <a:off x="2282505" y="2616648"/>
+            <a:ext cx="1440856" cy="707886"/>
+          </a:xfrm>
+          <a:prstGeom prst="rect">
+            <a:avLst/>
+          </a:prstGeom>
+          <a:noFill/>
+        </p:spPr>
+        <p:txBody>
+          <a:bodyPr wrap="square" rtlCol="0">
+            <a:spAutoFit/>
+          </a:bodyPr>
+          <a:lstStyle/>
+          <a:p>
+            <a:pPr algn="ctr"/>
+            <a:r>
+              <a:rPr lang="en-US" sz="2000" dirty="0" err="1" smtClean="0">
+                <a:latin typeface="Times New Roman" panose="02020603050405020304" pitchFamily="18" charset="0"/>
+                <a:cs typeface="Times New Roman" panose="02020603050405020304" pitchFamily="18" charset="0"/>
+              </a:rPr>
+              <a:t>Blockly</a:t>
+            </a:r>
+            <a:endParaRPr lang="en-US" sz="2000" dirty="0" smtClean="0">
+              <a:latin typeface="Times New Roman" panose="02020603050405020304" pitchFamily="18" charset="0"/>
+              <a:cs typeface="Times New Roman" panose="02020603050405020304" pitchFamily="18" charset="0"/>
+            </a:endParaRPr>
+          </a:p>
+          <a:p>
+            <a:pPr algn="ctr"/>
+            <a:r>
+              <a:rPr lang="en-US" sz="2000" dirty="0" smtClean="0">
+                <a:latin typeface="Times New Roman" panose="02020603050405020304" pitchFamily="18" charset="0"/>
+                <a:cs typeface="Times New Roman" panose="02020603050405020304" pitchFamily="18" charset="0"/>
+              </a:rPr>
+              <a:t>XML</a:t>
+            </a:r>
+            <a:endParaRPr lang="en-US" sz="2000" dirty="0">
+              <a:latin typeface="Times New Roman" panose="02020603050405020304" pitchFamily="18" charset="0"/>
+              <a:cs typeface="Times New Roman" panose="02020603050405020304" pitchFamily="18" charset="0"/>
+            </a:endParaRPr>
+          </a:p>
+        </p:txBody>
+      </p:sp>
+      <p:sp>
+        <p:nvSpPr>
+          <p:cNvPr id="11" name="TextBox 10"/>
+          <p:cNvSpPr txBox="1"/>
+          <p:nvPr/>
+        </p:nvSpPr>
+        <p:spPr>
+          <a:xfrm>
+            <a:off x="4874556" y="392974"/>
+            <a:ext cx="1825143" cy="707886"/>
+          </a:xfrm>
+          <a:prstGeom prst="rect">
+            <a:avLst/>
+          </a:prstGeom>
+          <a:noFill/>
+        </p:spPr>
+        <p:txBody>
+          <a:bodyPr wrap="square" rtlCol="0">
+            <a:spAutoFit/>
+          </a:bodyPr>
+          <a:lstStyle/>
+          <a:p>
+            <a:pPr algn="ctr"/>
+            <a:r>
+              <a:rPr lang="en-US" sz="2000" dirty="0" smtClean="0">
+                <a:latin typeface="Times New Roman" panose="02020603050405020304" pitchFamily="18" charset="0"/>
+                <a:cs typeface="Times New Roman" panose="02020603050405020304" pitchFamily="18" charset="0"/>
+              </a:rPr>
+              <a:t>Python</a:t>
+            </a:r>
+          </a:p>
+          <a:p>
+            <a:pPr algn="ctr"/>
+            <a:r>
+              <a:rPr lang="en-US" sz="2000" dirty="0" smtClean="0">
+                <a:latin typeface="Times New Roman" panose="02020603050405020304" pitchFamily="18" charset="0"/>
+                <a:cs typeface="Times New Roman" panose="02020603050405020304" pitchFamily="18" charset="0"/>
+              </a:rPr>
+              <a:t>Code</a:t>
+            </a:r>
+            <a:endParaRPr lang="en-US" sz="2000" dirty="0">
+              <a:latin typeface="Times New Roman" panose="02020603050405020304" pitchFamily="18" charset="0"/>
+              <a:cs typeface="Times New Roman" panose="02020603050405020304" pitchFamily="18" charset="0"/>
+            </a:endParaRPr>
+          </a:p>
+        </p:txBody>
+      </p:sp>
+      <p:sp>
+        <p:nvSpPr>
+          <p:cNvPr id="12" name="TextBox 11"/>
+          <p:cNvSpPr txBox="1"/>
+          <p:nvPr/>
+        </p:nvSpPr>
+        <p:spPr>
+          <a:xfrm>
+            <a:off x="8264923" y="2737248"/>
+            <a:ext cx="1243889" cy="400110"/>
+          </a:xfrm>
+          <a:prstGeom prst="rect">
+            <a:avLst/>
+          </a:prstGeom>
+          <a:noFill/>
+        </p:spPr>
+        <p:txBody>
+          <a:bodyPr wrap="square" rtlCol="0">
+            <a:spAutoFit/>
+          </a:bodyPr>
+          <a:lstStyle/>
+          <a:p>
+            <a:r>
+              <a:rPr lang="en-US" sz="2000" dirty="0" smtClean="0">
+                <a:latin typeface="Times New Roman" panose="02020603050405020304" pitchFamily="18" charset="0"/>
+                <a:cs typeface="Times New Roman" panose="02020603050405020304" pitchFamily="18" charset="0"/>
+              </a:rPr>
+              <a:t>JSON</a:t>
+            </a:r>
+            <a:endParaRPr lang="en-US" sz="2000" dirty="0">
+              <a:latin typeface="Times New Roman" panose="02020603050405020304" pitchFamily="18" charset="0"/>
+              <a:cs typeface="Times New Roman" panose="02020603050405020304" pitchFamily="18" charset="0"/>
+            </a:endParaRPr>
+          </a:p>
+        </p:txBody>
+      </p:sp>
+      <p:cxnSp>
+        <p:nvCxnSpPr>
+          <p:cNvPr id="13" name="Elbow Connector 12"/>
+          <p:cNvCxnSpPr>
+            <a:stCxn id="22" idx="3"/>
+            <a:endCxn id="5" idx="2"/>
+          </p:cNvCxnSpPr>
+          <p:nvPr/>
+        </p:nvCxnSpPr>
+        <p:spPr>
+          <a:xfrm flipV="1">
+            <a:off x="6861221" y="2191872"/>
+            <a:ext cx="1381047" cy="688127"/>
+          </a:xfrm>
+          <a:prstGeom prst="bentConnector2">
+            <a:avLst/>
+          </a:prstGeom>
+          <a:ln w="76200">
+            <a:solidFill>
+              <a:schemeClr val="accent6"/>
+            </a:solidFill>
+            <a:headEnd type="arrow" w="med" len="med"/>
+            <a:tailEnd type="none" w="med" len="med"/>
+          </a:ln>
+        </p:spPr>
+        <p:style>
+          <a:lnRef idx="1">
+            <a:schemeClr val="accent1"/>
+          </a:lnRef>
+          <a:fillRef idx="0">
+            <a:schemeClr val="accent1"/>
+          </a:fillRef>
+          <a:effectRef idx="0">
+            <a:schemeClr val="accent1"/>
+          </a:effectRef>
+          <a:fontRef idx="minor">
+            <a:schemeClr val="tx1"/>
+          </a:fontRef>
+        </p:style>
+      </p:cxnSp>
+      <p:cxnSp>
+        <p:nvCxnSpPr>
+          <p:cNvPr id="14" name="Elbow Connector 13"/>
+          <p:cNvCxnSpPr>
+            <a:stCxn id="16" idx="2"/>
+            <a:endCxn id="22" idx="1"/>
+          </p:cNvCxnSpPr>
+          <p:nvPr/>
+        </p:nvCxnSpPr>
+        <p:spPr>
+          <a:xfrm rot="16200000" flipH="1">
+            <a:off x="3860181" y="1927762"/>
+            <a:ext cx="715224" cy="1189250"/>
+          </a:xfrm>
+          <a:prstGeom prst="bentConnector2">
+            <a:avLst/>
+          </a:prstGeom>
+          <a:ln w="76200">
+            <a:solidFill>
+              <a:srgbClr val="FFC000"/>
+            </a:solidFill>
+            <a:headEnd type="arrow" w="med" len="med"/>
+            <a:tailEnd type="none" w="med" len="med"/>
+          </a:ln>
+        </p:spPr>
+        <p:style>
+          <a:lnRef idx="1">
+            <a:schemeClr val="accent1"/>
+          </a:lnRef>
+          <a:fillRef idx="0">
+            <a:schemeClr val="accent1"/>
+          </a:fillRef>
+          <a:effectRef idx="0">
+            <a:schemeClr val="accent1"/>
+          </a:effectRef>
+          <a:fontRef idx="minor">
+            <a:schemeClr val="tx1"/>
+          </a:fontRef>
+        </p:style>
+      </p:cxnSp>
+      <p:grpSp>
+        <p:nvGrpSpPr>
+          <p:cNvPr id="15" name="Group 14"/>
+          <p:cNvGrpSpPr/>
+          <p:nvPr/>
+        </p:nvGrpSpPr>
+        <p:grpSpPr>
+          <a:xfrm>
+            <a:off x="2433918" y="672353"/>
+            <a:ext cx="4519150" cy="1492422"/>
+            <a:chOff x="847165" y="779929"/>
+            <a:chExt cx="5980113" cy="2488432"/>
+          </a:xfrm>
+        </p:grpSpPr>
+        <p:sp>
+          <p:nvSpPr>
+            <p:cNvPr id="16" name="Rectangle 15"/>
+            <p:cNvSpPr/>
+            <p:nvPr/>
+          </p:nvSpPr>
+          <p:spPr>
+            <a:xfrm>
+              <a:off x="847165" y="779929"/>
+              <a:ext cx="3147428" cy="2488432"/>
+            </a:xfrm>
+            <a:prstGeom prst="rect">
+              <a:avLst/>
+            </a:prstGeom>
+          </p:spPr>
+          <p:style>
+            <a:lnRef idx="0">
+              <a:schemeClr val="accent1"/>
+            </a:lnRef>
+            <a:fillRef idx="3">
+              <a:schemeClr val="accent1"/>
+            </a:fillRef>
+            <a:effectRef idx="3">
+              <a:schemeClr val="accent1"/>
+            </a:effectRef>
+            <a:fontRef idx="minor">
+              <a:schemeClr val="lt1"/>
+            </a:fontRef>
+          </p:style>
+          <p:txBody>
+            <a:bodyPr rtlCol="0" anchor="t"/>
+            <a:lstStyle/>
+            <a:p>
+              <a:r>
+                <a:rPr lang="en-US" sz="2000" dirty="0" err="1" smtClean="0">
+                  <a:solidFill>
+                    <a:sysClr val="windowText" lastClr="000000"/>
+                  </a:solidFill>
+                  <a:latin typeface="Times New Roman" panose="02020603050405020304" pitchFamily="18" charset="0"/>
+                  <a:cs typeface="Times New Roman" panose="02020603050405020304" pitchFamily="18" charset="0"/>
+                </a:rPr>
+                <a:t>Blockly</a:t>
+              </a:r>
+              <a:endParaRPr lang="en-US" sz="2000" dirty="0">
+                <a:solidFill>
+                  <a:sysClr val="windowText" lastClr="000000"/>
+                </a:solidFill>
+                <a:latin typeface="Times New Roman" panose="02020603050405020304" pitchFamily="18" charset="0"/>
+                <a:cs typeface="Times New Roman" panose="02020603050405020304" pitchFamily="18" charset="0"/>
+              </a:endParaRPr>
+            </a:p>
+          </p:txBody>
+        </p:sp>
+        <p:sp>
+          <p:nvSpPr>
+            <p:cNvPr id="17" name="Rounded Rectangle 16"/>
+            <p:cNvSpPr/>
+            <p:nvPr/>
+          </p:nvSpPr>
+          <p:spPr>
+            <a:xfrm>
+              <a:off x="1161908" y="1404643"/>
+              <a:ext cx="2517943" cy="547292"/>
+            </a:xfrm>
+            <a:prstGeom prst="roundRect">
+              <a:avLst/>
+            </a:prstGeom>
+          </p:spPr>
+          <p:style>
+            <a:lnRef idx="1">
+              <a:schemeClr val="accent1"/>
+            </a:lnRef>
+            <a:fillRef idx="2">
+              <a:schemeClr val="accent1"/>
+            </a:fillRef>
+            <a:effectRef idx="1">
+              <a:schemeClr val="accent1"/>
+            </a:effectRef>
+            <a:fontRef idx="minor">
+              <a:schemeClr val="dk1"/>
+            </a:fontRef>
+          </p:style>
+          <p:txBody>
+            <a:bodyPr rtlCol="0" anchor="ctr"/>
+            <a:lstStyle/>
+            <a:p>
+              <a:pPr algn="ctr"/>
+              <a:r>
+                <a:rPr lang="en-US" sz="2000" dirty="0" smtClean="0">
+                  <a:latin typeface="Times New Roman" panose="02020603050405020304" pitchFamily="18" charset="0"/>
+                  <a:cs typeface="Times New Roman" panose="02020603050405020304" pitchFamily="18" charset="0"/>
+                </a:rPr>
+                <a:t>Core Blocks</a:t>
+              </a:r>
+              <a:endParaRPr lang="en-US" sz="2000" dirty="0">
+                <a:latin typeface="Times New Roman" panose="02020603050405020304" pitchFamily="18" charset="0"/>
+                <a:cs typeface="Times New Roman" panose="02020603050405020304" pitchFamily="18" charset="0"/>
+              </a:endParaRPr>
+            </a:p>
+          </p:txBody>
+        </p:sp>
+        <p:sp>
+          <p:nvSpPr>
+            <p:cNvPr id="18" name="Rounded Rectangle 17"/>
+            <p:cNvSpPr/>
+            <p:nvPr/>
+          </p:nvSpPr>
+          <p:spPr>
+            <a:xfrm>
+              <a:off x="1161908" y="1985871"/>
+              <a:ext cx="2517943" cy="547292"/>
+            </a:xfrm>
+            <a:prstGeom prst="roundRect">
+              <a:avLst/>
+            </a:prstGeom>
+          </p:spPr>
+          <p:style>
+            <a:lnRef idx="1">
+              <a:schemeClr val="accent1"/>
+            </a:lnRef>
+            <a:fillRef idx="2">
+              <a:schemeClr val="accent1"/>
+            </a:fillRef>
+            <a:effectRef idx="1">
+              <a:schemeClr val="accent1"/>
+            </a:effectRef>
+            <a:fontRef idx="minor">
+              <a:schemeClr val="dk1"/>
+            </a:fontRef>
+          </p:style>
+          <p:txBody>
+            <a:bodyPr rtlCol="0" anchor="ctr"/>
+            <a:lstStyle/>
+            <a:p>
+              <a:pPr algn="ctr"/>
+              <a:r>
+                <a:rPr lang="en-US" sz="2000" dirty="0" smtClean="0">
+                  <a:latin typeface="Times New Roman" panose="02020603050405020304" pitchFamily="18" charset="0"/>
+                  <a:cs typeface="Times New Roman" panose="02020603050405020304" pitchFamily="18" charset="0"/>
+                </a:rPr>
+                <a:t>Python Blocks</a:t>
+              </a:r>
+              <a:endParaRPr lang="en-US" sz="2000" dirty="0">
+                <a:latin typeface="Times New Roman" panose="02020603050405020304" pitchFamily="18" charset="0"/>
+                <a:cs typeface="Times New Roman" panose="02020603050405020304" pitchFamily="18" charset="0"/>
+              </a:endParaRPr>
+            </a:p>
+          </p:txBody>
+        </p:sp>
+        <p:sp>
+          <p:nvSpPr>
+            <p:cNvPr id="19" name="Rounded Rectangle 18"/>
+            <p:cNvSpPr/>
+            <p:nvPr/>
+          </p:nvSpPr>
+          <p:spPr>
+            <a:xfrm>
+              <a:off x="1161908" y="2567099"/>
+              <a:ext cx="2517943" cy="547292"/>
+            </a:xfrm>
+            <a:prstGeom prst="roundRect">
+              <a:avLst/>
+            </a:prstGeom>
+          </p:spPr>
+          <p:style>
+            <a:lnRef idx="1">
+              <a:schemeClr val="accent1"/>
+            </a:lnRef>
+            <a:fillRef idx="2">
+              <a:schemeClr val="accent1"/>
+            </a:fillRef>
+            <a:effectRef idx="1">
+              <a:schemeClr val="accent1"/>
+            </a:effectRef>
+            <a:fontRef idx="minor">
+              <a:schemeClr val="dk1"/>
+            </a:fontRef>
+          </p:style>
+          <p:txBody>
+            <a:bodyPr rtlCol="0" anchor="ctr"/>
+            <a:lstStyle/>
+            <a:p>
+              <a:pPr algn="ctr"/>
+              <a:r>
+                <a:rPr lang="en-US" sz="2000" dirty="0" smtClean="0">
+                  <a:latin typeface="Times New Roman" panose="02020603050405020304" pitchFamily="18" charset="0"/>
+                  <a:cs typeface="Times New Roman" panose="02020603050405020304" pitchFamily="18" charset="0"/>
+                </a:rPr>
+                <a:t>API Blocks</a:t>
+              </a:r>
+              <a:endParaRPr lang="en-US" sz="2000" dirty="0">
+                <a:latin typeface="Times New Roman" panose="02020603050405020304" pitchFamily="18" charset="0"/>
+                <a:cs typeface="Times New Roman" panose="02020603050405020304" pitchFamily="18" charset="0"/>
+              </a:endParaRPr>
+            </a:p>
+          </p:txBody>
+        </p:sp>
+        <p:cxnSp>
+          <p:nvCxnSpPr>
+            <p:cNvPr id="20" name="Elbow Connector 19"/>
+            <p:cNvCxnSpPr>
+              <a:stCxn id="5" idx="1"/>
+              <a:endCxn id="16" idx="3"/>
+            </p:cNvCxnSpPr>
+            <p:nvPr/>
+          </p:nvCxnSpPr>
+          <p:spPr>
+            <a:xfrm rot="10800000" flipV="1">
+              <a:off x="3994593" y="1579069"/>
+              <a:ext cx="2832685" cy="445076"/>
+            </a:xfrm>
+            <a:prstGeom prst="bentConnector3">
+              <a:avLst>
+                <a:gd name="adj1" fmla="val 50000"/>
+              </a:avLst>
+            </a:prstGeom>
+            <a:ln w="76200">
+              <a:solidFill>
+                <a:schemeClr val="accent1"/>
+              </a:solidFill>
+              <a:headEnd type="arrow" w="med" len="med"/>
+              <a:tailEnd type="none" w="med" len="med"/>
+            </a:ln>
+          </p:spPr>
+          <p:style>
+            <a:lnRef idx="1">
+              <a:schemeClr val="accent1"/>
+            </a:lnRef>
+            <a:fillRef idx="0">
+              <a:schemeClr val="accent1"/>
+            </a:fillRef>
+            <a:effectRef idx="0">
+              <a:schemeClr val="accent1"/>
+            </a:effectRef>
+            <a:fontRef idx="minor">
+              <a:schemeClr val="tx1"/>
+            </a:fontRef>
+          </p:style>
+        </p:cxnSp>
+      </p:grpSp>
+      <p:grpSp>
+        <p:nvGrpSpPr>
+          <p:cNvPr id="21" name="Group 20"/>
+          <p:cNvGrpSpPr/>
+          <p:nvPr/>
+        </p:nvGrpSpPr>
+        <p:grpSpPr>
+          <a:xfrm>
+            <a:off x="4812418" y="2497663"/>
+            <a:ext cx="2048803" cy="764672"/>
+            <a:chOff x="3853967" y="4158832"/>
+            <a:chExt cx="3096511" cy="1267025"/>
+          </a:xfrm>
+        </p:grpSpPr>
+        <p:sp>
+          <p:nvSpPr>
+            <p:cNvPr id="22" name="Rectangle 21"/>
+            <p:cNvSpPr/>
+            <p:nvPr/>
+          </p:nvSpPr>
+          <p:spPr>
+            <a:xfrm>
+              <a:off x="3853967" y="4158832"/>
+              <a:ext cx="3096511" cy="1267025"/>
+            </a:xfrm>
+            <a:prstGeom prst="rect">
+              <a:avLst/>
+            </a:prstGeom>
+          </p:spPr>
+          <p:style>
+            <a:lnRef idx="0">
+              <a:schemeClr val="accent4"/>
+            </a:lnRef>
+            <a:fillRef idx="3">
+              <a:schemeClr val="accent4"/>
+            </a:fillRef>
+            <a:effectRef idx="3">
+              <a:schemeClr val="accent4"/>
+            </a:effectRef>
+            <a:fontRef idx="minor">
+              <a:schemeClr val="lt1"/>
+            </a:fontRef>
+          </p:style>
+          <p:txBody>
+            <a:bodyPr rtlCol="0" anchor="t"/>
+            <a:lstStyle/>
+            <a:p>
+              <a:r>
+                <a:rPr lang="en-US" sz="2000" dirty="0" smtClean="0">
+                  <a:solidFill>
+                    <a:sysClr val="windowText" lastClr="000000"/>
+                  </a:solidFill>
+                  <a:latin typeface="Times New Roman" panose="02020603050405020304" pitchFamily="18" charset="0"/>
+                  <a:cs typeface="Times New Roman" panose="02020603050405020304" pitchFamily="18" charset="0"/>
+                </a:rPr>
+                <a:t>Py2Block</a:t>
+              </a:r>
+              <a:endParaRPr lang="en-US" sz="2000" dirty="0">
+                <a:solidFill>
+                  <a:sysClr val="windowText" lastClr="000000"/>
+                </a:solidFill>
+                <a:latin typeface="Times New Roman" panose="02020603050405020304" pitchFamily="18" charset="0"/>
+                <a:cs typeface="Times New Roman" panose="02020603050405020304" pitchFamily="18" charset="0"/>
+              </a:endParaRPr>
+            </a:p>
+          </p:txBody>
+        </p:sp>
+        <p:sp>
+          <p:nvSpPr>
+            <p:cNvPr id="23" name="Rounded Rectangle 22"/>
+            <p:cNvSpPr/>
+            <p:nvPr/>
+          </p:nvSpPr>
+          <p:spPr>
+            <a:xfrm>
+              <a:off x="4411656" y="4800015"/>
+              <a:ext cx="1981132" cy="547292"/>
+            </a:xfrm>
+            <a:prstGeom prst="roundRect">
+              <a:avLst/>
+            </a:prstGeom>
+          </p:spPr>
+          <p:style>
+            <a:lnRef idx="1">
+              <a:schemeClr val="accent4"/>
+            </a:lnRef>
+            <a:fillRef idx="2">
+              <a:schemeClr val="accent4"/>
+            </a:fillRef>
+            <a:effectRef idx="1">
+              <a:schemeClr val="accent4"/>
+            </a:effectRef>
+            <a:fontRef idx="minor">
+              <a:schemeClr val="dk1"/>
+            </a:fontRef>
+          </p:style>
+          <p:txBody>
+            <a:bodyPr rtlCol="0" anchor="ctr"/>
+            <a:lstStyle/>
+            <a:p>
+              <a:pPr algn="ctr"/>
+              <a:r>
+                <a:rPr lang="en-US" sz="2000" dirty="0" smtClean="0">
+                  <a:latin typeface="Times New Roman" panose="02020603050405020304" pitchFamily="18" charset="0"/>
+                  <a:cs typeface="Times New Roman" panose="02020603050405020304" pitchFamily="18" charset="0"/>
+                </a:rPr>
+                <a:t>Mappings</a:t>
+              </a:r>
+            </a:p>
+          </p:txBody>
+        </p:sp>
+      </p:grpSp>
+      <p:pic>
+        <p:nvPicPr>
+          <p:cNvPr id="32" name="Picture 31"/>
+          <p:cNvPicPr>
+            <a:picLocks noChangeAspect="1"/>
+          </p:cNvPicPr>
+          <p:nvPr/>
+        </p:nvPicPr>
+        <p:blipFill rotWithShape="1">
+          <a:blip r:embed="rId2"/>
+          <a:srcRect b="15065"/>
+          <a:stretch/>
+        </p:blipFill>
+        <p:spPr>
+          <a:xfrm>
+            <a:off x="2185655" y="5324643"/>
+            <a:ext cx="4819048" cy="1197181"/>
+          </a:xfrm>
+          <a:prstGeom prst="rect">
+            <a:avLst/>
+          </a:prstGeom>
+        </p:spPr>
+      </p:pic>
+      <p:pic>
+        <p:nvPicPr>
+          <p:cNvPr id="31" name="Picture 30"/>
+          <p:cNvPicPr>
+            <a:picLocks noChangeAspect="1"/>
+          </p:cNvPicPr>
+          <p:nvPr/>
+        </p:nvPicPr>
+        <p:blipFill>
+          <a:blip r:embed="rId3"/>
+          <a:stretch>
+            <a:fillRect/>
+          </a:stretch>
+        </p:blipFill>
+        <p:spPr>
+          <a:xfrm>
+            <a:off x="4979087" y="4434574"/>
+            <a:ext cx="4552381" cy="1419048"/>
+          </a:xfrm>
+          <a:prstGeom prst="rect">
+            <a:avLst/>
+          </a:prstGeom>
+        </p:spPr>
+      </p:pic>
+      <p:sp>
+        <p:nvSpPr>
+          <p:cNvPr id="35" name="Bent-Up Arrow 34"/>
+          <p:cNvSpPr/>
+          <p:nvPr/>
+        </p:nvSpPr>
+        <p:spPr>
+          <a:xfrm>
+            <a:off x="6953068" y="5432139"/>
+            <a:ext cx="753128" cy="704762"/>
+          </a:xfrm>
+          <a:prstGeom prst="bentUpArrow">
+            <a:avLst/>
+          </a:prstGeom>
+        </p:spPr>
+        <p:style>
+          <a:lnRef idx="1">
+            <a:schemeClr val="dk1"/>
+          </a:lnRef>
+          <a:fillRef idx="2">
+            <a:schemeClr val="dk1"/>
+          </a:fillRef>
+          <a:effectRef idx="1">
+            <a:schemeClr val="dk1"/>
+          </a:effectRef>
+          <a:fontRef idx="minor">
+            <a:schemeClr val="dk1"/>
+          </a:fontRef>
+        </p:style>
+        <p:txBody>
+          <a:bodyPr rtlCol="0" anchor="ctr"/>
+          <a:lstStyle/>
+          <a:p>
+            <a:pPr algn="ctr"/>
+            <a:endParaRPr lang="en-US"/>
+          </a:p>
+        </p:txBody>
+      </p:sp>
+      <p:sp>
+        <p:nvSpPr>
+          <p:cNvPr id="36" name="Bent-Up Arrow 35"/>
+          <p:cNvSpPr/>
+          <p:nvPr/>
+        </p:nvSpPr>
+        <p:spPr>
+          <a:xfrm rot="10800000">
+            <a:off x="3464665" y="4475334"/>
+            <a:ext cx="753128" cy="704762"/>
+          </a:xfrm>
+          <a:prstGeom prst="bentUpArrow">
+            <a:avLst/>
+          </a:prstGeom>
+        </p:spPr>
+        <p:style>
+          <a:lnRef idx="1">
+            <a:schemeClr val="dk1"/>
+          </a:lnRef>
+          <a:fillRef idx="2">
+            <a:schemeClr val="dk1"/>
+          </a:fillRef>
+          <a:effectRef idx="1">
+            <a:schemeClr val="dk1"/>
+          </a:effectRef>
+          <a:fontRef idx="minor">
+            <a:schemeClr val="dk1"/>
+          </a:fontRef>
+        </p:style>
+        <p:txBody>
+          <a:bodyPr rtlCol="0" anchor="ctr"/>
+          <a:lstStyle/>
+          <a:p>
+            <a:pPr algn="ctr"/>
+            <a:endParaRPr lang="en-US"/>
+          </a:p>
+        </p:txBody>
+      </p:sp>
+    </p:spTree>
+    <p:extLst>
+      <p:ext uri="{BB962C8B-B14F-4D97-AF65-F5344CB8AC3E}">
+        <p14:creationId xmlns:p14="http://schemas.microsoft.com/office/powerpoint/2010/main" val="915238211"/>
+      </p:ext>
+    </p:extLst>
+  </p:cSld>
+  <p:clrMapOvr>
+    <a:masterClrMapping/>
+  </p:clrMapOvr>
+  <p:timing>
+    <p:tnLst>
+      <p:par>
+        <p:cTn id="1" dur="indefinite" restart="never" nodeType="tmRoot"/>
+      </p:par>
+    </p:tnLst>
+  </p:timing>
+</p:sld>
+</file>
+
+<file path=ppt/slides/slide7.xml><?xml version="1.0" encoding="utf-8"?>
+<p:sld xmlns:a="http://schemas.openxmlformats.org/drawingml/2006/main" xmlns:r="http://schemas.openxmlformats.org/officeDocument/2006/relationships" xmlns:p="http://schemas.openxmlformats.org/presentationml/2006/main">
+  <p:cSld>
+    <p:spTree>
+      <p:nvGrpSpPr>
+        <p:cNvPr id="1" name=""/>
+        <p:cNvGrpSpPr/>
+        <p:nvPr/>
+      </p:nvGrpSpPr>
+      <p:grpSpPr>
+        <a:xfrm>
+          <a:off x="0" y="0"/>
+          <a:ext cx="0" cy="0"/>
+          <a:chOff x="0" y="0"/>
+          <a:chExt cx="0" cy="0"/>
+        </a:xfrm>
+      </p:grpSpPr>
+      <p:pic>
+        <p:nvPicPr>
+          <p:cNvPr id="4" name="Picture 3"/>
+          <p:cNvPicPr>
+            <a:picLocks noChangeAspect="1"/>
+          </p:cNvPicPr>
+          <p:nvPr/>
+        </p:nvPicPr>
+        <p:blipFill rotWithShape="1">
+          <a:blip r:embed="rId2"/>
+          <a:srcRect b="13698"/>
+          <a:stretch/>
+        </p:blipFill>
+        <p:spPr>
+          <a:xfrm>
+            <a:off x="1701580" y="3073173"/>
+            <a:ext cx="4819048" cy="1216439"/>
+          </a:xfrm>
+          <a:prstGeom prst="rect">
+            <a:avLst/>
+          </a:prstGeom>
+        </p:spPr>
+      </p:pic>
+      <p:pic>
+        <p:nvPicPr>
+          <p:cNvPr id="5" name="Picture 4"/>
+          <p:cNvPicPr>
+            <a:picLocks noChangeAspect="1"/>
+          </p:cNvPicPr>
+          <p:nvPr/>
+        </p:nvPicPr>
+        <p:blipFill>
+          <a:blip r:embed="rId3"/>
+          <a:stretch>
+            <a:fillRect/>
+          </a:stretch>
+        </p:blipFill>
+        <p:spPr>
+          <a:xfrm>
+            <a:off x="3122801" y="4258071"/>
+            <a:ext cx="4552381" cy="1419048"/>
+          </a:xfrm>
+          <a:prstGeom prst="rect">
+            <a:avLst/>
+          </a:prstGeom>
+        </p:spPr>
+      </p:pic>
+      <p:sp>
+        <p:nvSpPr>
+          <p:cNvPr id="9" name="TextBox 8"/>
+          <p:cNvSpPr txBox="1"/>
+          <p:nvPr/>
+        </p:nvSpPr>
+        <p:spPr>
+          <a:xfrm>
+            <a:off x="6721753" y="2970107"/>
+            <a:ext cx="576312" cy="369332"/>
+          </a:xfrm>
+          <a:prstGeom prst="rect">
+            <a:avLst/>
+          </a:prstGeom>
+          <a:noFill/>
+        </p:spPr>
+        <p:txBody>
+          <a:bodyPr wrap="none" rtlCol="0">
+            <a:spAutoFit/>
+          </a:bodyPr>
+          <a:lstStyle/>
+          <a:p>
+            <a:pPr algn="r"/>
+            <a:r>
+              <a:rPr lang="en-US" b="1" dirty="0" smtClean="0"/>
+              <a:t>Text</a:t>
+            </a:r>
+            <a:endParaRPr lang="en-US" b="1" dirty="0"/>
+          </a:p>
+        </p:txBody>
+      </p:sp>
+      <p:sp>
+        <p:nvSpPr>
+          <p:cNvPr id="10" name="TextBox 9"/>
+          <p:cNvSpPr txBox="1"/>
+          <p:nvPr/>
+        </p:nvSpPr>
+        <p:spPr>
+          <a:xfrm>
+            <a:off x="2192373" y="5069541"/>
+            <a:ext cx="790281" cy="369332"/>
+          </a:xfrm>
+          <a:prstGeom prst="rect">
+            <a:avLst/>
+          </a:prstGeom>
+          <a:noFill/>
+        </p:spPr>
+        <p:txBody>
+          <a:bodyPr wrap="none" rtlCol="0">
+            <a:spAutoFit/>
+          </a:bodyPr>
+          <a:lstStyle/>
+          <a:p>
+            <a:pPr algn="r"/>
+            <a:r>
+              <a:rPr lang="en-US" b="1" dirty="0" smtClean="0"/>
+              <a:t>Blocks</a:t>
+            </a:r>
+            <a:endParaRPr lang="en-US" b="1" dirty="0"/>
+          </a:p>
+        </p:txBody>
+      </p:sp>
+      <p:sp>
+        <p:nvSpPr>
+          <p:cNvPr id="11" name="Bent-Up Arrow 10"/>
+          <p:cNvSpPr/>
+          <p:nvPr/>
+        </p:nvSpPr>
+        <p:spPr>
+          <a:xfrm rot="5400000">
+            <a:off x="2351942" y="4438829"/>
+            <a:ext cx="556662" cy="704762"/>
+          </a:xfrm>
+          <a:prstGeom prst="bentUpArrow">
+            <a:avLst/>
+          </a:prstGeom>
+        </p:spPr>
+        <p:style>
+          <a:lnRef idx="2">
+            <a:schemeClr val="dk1">
+              <a:shade val="50000"/>
+            </a:schemeClr>
+          </a:lnRef>
+          <a:fillRef idx="1">
+            <a:schemeClr val="dk1"/>
+          </a:fillRef>
+          <a:effectRef idx="0">
+            <a:schemeClr val="dk1"/>
+          </a:effectRef>
+          <a:fontRef idx="minor">
+            <a:schemeClr val="lt1"/>
+          </a:fontRef>
+        </p:style>
+        <p:txBody>
+          <a:bodyPr rtlCol="0" anchor="ctr"/>
+          <a:lstStyle/>
+          <a:p>
+            <a:pPr algn="r"/>
+            <a:endParaRPr lang="en-US"/>
+          </a:p>
+        </p:txBody>
+      </p:sp>
+      <p:sp>
+        <p:nvSpPr>
+          <p:cNvPr id="8" name="Bent-Up Arrow 7"/>
+          <p:cNvSpPr/>
+          <p:nvPr/>
+        </p:nvSpPr>
+        <p:spPr>
+          <a:xfrm rot="16200000">
+            <a:off x="6731578" y="3313241"/>
+            <a:ext cx="556662" cy="704762"/>
+          </a:xfrm>
+          <a:prstGeom prst="bentUpArrow">
+            <a:avLst/>
+          </a:prstGeom>
+        </p:spPr>
+        <p:style>
+          <a:lnRef idx="2">
+            <a:schemeClr val="dk1">
+              <a:shade val="50000"/>
+            </a:schemeClr>
+          </a:lnRef>
+          <a:fillRef idx="1">
+            <a:schemeClr val="dk1"/>
+          </a:fillRef>
+          <a:effectRef idx="0">
+            <a:schemeClr val="dk1"/>
+          </a:effectRef>
+          <a:fontRef idx="minor">
+            <a:schemeClr val="lt1"/>
+          </a:fontRef>
+        </p:style>
+        <p:txBody>
+          <a:bodyPr rtlCol="0" anchor="ctr"/>
+          <a:lstStyle/>
+          <a:p>
+            <a:pPr algn="r"/>
+            <a:endParaRPr lang="en-US"/>
+          </a:p>
+        </p:txBody>
+      </p:sp>
+    </p:spTree>
+    <p:extLst>
+      <p:ext uri="{BB962C8B-B14F-4D97-AF65-F5344CB8AC3E}">
+        <p14:creationId xmlns:p14="http://schemas.microsoft.com/office/powerpoint/2010/main" val="2644189075"/>
+      </p:ext>
+    </p:extLst>
+  </p:cSld>
+  <p:clrMapOvr>
+    <a:masterClrMapping/>
+  </p:clrMapOvr>
+  <p:timing>
+    <p:tnLst>
+      <p:par>
+        <p:cTn id="1" dur="indefinite" restart="never" nodeType="tmRoot"/>
+      </p:par>
+    </p:tnLst>
+  </p:timing>
+</p:sld>
+</file>
+
+<file path=ppt/slides/slide8.xml><?xml version="1.0" encoding="utf-8"?>
+<p:sld xmlns:a="http://schemas.openxmlformats.org/drawingml/2006/main" xmlns:r="http://schemas.openxmlformats.org/officeDocument/2006/relationships" xmlns:p="http://schemas.openxmlformats.org/presentationml/2006/main">
+  <p:cSld>
+    <p:spTree>
+      <p:nvGrpSpPr>
+        <p:cNvPr id="1" name=""/>
+        <p:cNvGrpSpPr/>
+        <p:nvPr/>
+      </p:nvGrpSpPr>
+      <p:grpSpPr>
+        <a:xfrm>
+          <a:off x="0" y="0"/>
+          <a:ext cx="0" cy="0"/>
+          <a:chOff x="0" y="0"/>
+          <a:chExt cx="0" cy="0"/>
+        </a:xfrm>
+      </p:grpSpPr>
       <p:sp>
         <p:nvSpPr>
           <p:cNvPr id="4" name="Left-Right Arrow 3"/>
